--- a/Upgradation tomongod version  6.pptx
+++ b/Upgradation tomongod version  6.pptx
@@ -131,6 +131,11 @@
       </a:defRPr>
     </a:lvl9pPr>
   </p:defaultTextStyle>
+  <p:extLst>
+    <p:ext uri="{EFAFB233-063F-42B5-8137-9DF3F51BA10A}">
+      <p15:sldGuideLst xmlns:p15="http://schemas.microsoft.com/office/powerpoint/2012/main"/>
+    </p:ext>
+  </p:extLst>
 </p:presentation>
 </file>
 
@@ -470,7 +475,7 @@
             <a:fld id="{5923F103-BC34-4FE4-A40E-EDDEECFDA5D0}" type="datetimeFigureOut">
               <a:rPr lang="en-US" dirty="0"/>
               <a:pPr/>
-              <a:t>6/22/2023</a:t>
+              <a:t>6/23/2023</a:t>
             </a:fld>
             <a:endParaRPr lang="en-US" dirty="0"/>
           </a:p>
@@ -1554,7 +1559,7 @@
           <a:p>
             <a:fld id="{923A1CC3-2375-41D4-9E03-427CAF2A4C1A}" type="datetimeFigureOut">
               <a:rPr lang="en-US" dirty="0"/>
-              <a:t>6/22/2023</a:t>
+              <a:t>6/23/2023</a:t>
             </a:fld>
             <a:endParaRPr lang="en-US" dirty="0"/>
           </a:p>
@@ -2530,7 +2535,7 @@
           <a:p>
             <a:fld id="{AFF16868-8199-4C2C-A5B1-63AEE139F88E}" type="datetimeFigureOut">
               <a:rPr lang="en-US" dirty="0"/>
-              <a:t>6/22/2023</a:t>
+              <a:t>6/23/2023</a:t>
             </a:fld>
             <a:endParaRPr lang="en-US" dirty="0"/>
           </a:p>
@@ -3660,7 +3665,7 @@
           <a:p>
             <a:fld id="{AAD9FF7F-6988-44CC-821B-644E70CD2F73}" type="datetimeFigureOut">
               <a:rPr lang="en-US" dirty="0"/>
-              <a:t>6/22/2023</a:t>
+              <a:t>6/23/2023</a:t>
             </a:fld>
             <a:endParaRPr lang="en-US" dirty="0"/>
           </a:p>
@@ -4689,7 +4694,7 @@
           <a:p>
             <a:fld id="{5C12C299-16B2-4475-990D-751901EACC14}" type="datetimeFigureOut">
               <a:rPr lang="en-US" dirty="0"/>
-              <a:t>6/22/2023</a:t>
+              <a:t>6/23/2023</a:t>
             </a:fld>
             <a:endParaRPr lang="en-US" dirty="0"/>
           </a:p>
@@ -5345,7 +5350,7 @@
           <a:p>
             <a:fld id="{9FE86839-B9D8-4651-8783-F325ECE74E65}" type="datetimeFigureOut">
               <a:rPr lang="en-US" dirty="0"/>
-              <a:t>6/22/2023</a:t>
+              <a:t>6/23/2023</a:t>
             </a:fld>
             <a:endParaRPr lang="en-US" dirty="0"/>
           </a:p>
@@ -6202,7 +6207,7 @@
           <a:p>
             <a:fld id="{FD484F64-32F6-45C5-931F-ADC1662401D0}" type="datetimeFigureOut">
               <a:rPr lang="en-US" dirty="0"/>
-              <a:t>6/22/2023</a:t>
+              <a:t>6/23/2023</a:t>
             </a:fld>
             <a:endParaRPr lang="en-US" dirty="0"/>
           </a:p>
@@ -6388,7 +6393,7 @@
           <a:p>
             <a:fld id="{53086D93-FCAC-47E0-A2EE-787E62CA814C}" type="datetimeFigureOut">
               <a:rPr lang="en-US" dirty="0"/>
-              <a:t>6/22/2023</a:t>
+              <a:t>6/23/2023</a:t>
             </a:fld>
             <a:endParaRPr lang="en-US" dirty="0"/>
           </a:p>
@@ -7356,7 +7361,7 @@
           <a:p>
             <a:fld id="{CDA879A6-0FD0-4734-A311-86BFCA472E6E}" type="datetimeFigureOut">
               <a:rPr lang="en-US" dirty="0"/>
-              <a:t>6/22/2023</a:t>
+              <a:t>6/23/2023</a:t>
             </a:fld>
             <a:endParaRPr lang="en-US" dirty="0"/>
           </a:p>
@@ -7563,7 +7568,7 @@
           <a:p>
             <a:fld id="{19C9CA7B-DFD4-44B5-8C60-D14B8CD1FB59}" type="datetimeFigureOut">
               <a:rPr lang="en-US" dirty="0"/>
-              <a:t>6/22/2023</a:t>
+              <a:t>6/23/2023</a:t>
             </a:fld>
             <a:endParaRPr lang="en-US" dirty="0"/>
           </a:p>
@@ -8593,7 +8598,7 @@
           <a:p>
             <a:fld id="{F34E6425-0181-43F2-84FC-787E803FD2F8}" type="datetimeFigureOut">
               <a:rPr lang="en-US" dirty="0"/>
-              <a:t>6/22/2023</a:t>
+              <a:t>6/23/2023</a:t>
             </a:fld>
             <a:endParaRPr lang="en-US" dirty="0"/>
           </a:p>
@@ -8861,7 +8866,7 @@
           <a:p>
             <a:fld id="{3BDB8791-F1B0-41E7-B7FD-A781E65C4266}" type="datetimeFigureOut">
               <a:rPr lang="en-US" dirty="0"/>
-              <a:t>6/22/2023</a:t>
+              <a:t>6/23/2023</a:t>
             </a:fld>
             <a:endParaRPr lang="en-US" dirty="0"/>
           </a:p>
@@ -9267,7 +9272,7 @@
           <a:p>
             <a:fld id="{5FDD63B2-E120-4ED8-B27B-C685F510A5FE}" type="datetimeFigureOut">
               <a:rPr lang="en-US" dirty="0"/>
-              <a:t>6/22/2023</a:t>
+              <a:t>6/23/2023</a:t>
             </a:fld>
             <a:endParaRPr lang="en-US" dirty="0"/>
           </a:p>
@@ -9390,7 +9395,7 @@
           <a:p>
             <a:fld id="{7AA18ACC-A947-437B-A130-35BD54FDF1E9}" type="datetimeFigureOut">
               <a:rPr lang="en-US" dirty="0"/>
-              <a:t>6/22/2023</a:t>
+              <a:t>6/23/2023</a:t>
             </a:fld>
             <a:endParaRPr lang="en-US" dirty="0"/>
           </a:p>
@@ -9481,7 +9486,7 @@
           <a:p>
             <a:fld id="{7C8D7E02-BCB8-4D50-A234-369438C08659}" type="datetimeFigureOut">
               <a:rPr lang="en-US" dirty="0"/>
-              <a:t>6/22/2023</a:t>
+              <a:t>6/23/2023</a:t>
             </a:fld>
             <a:endParaRPr lang="en-US" dirty="0"/>
           </a:p>
@@ -10558,7 +10563,7 @@
           <a:p>
             <a:fld id="{76E86A4C-8E40-4F87-A4F0-01A0687C5742}" type="datetimeFigureOut">
               <a:rPr lang="en-US" dirty="0"/>
-              <a:t>6/22/2023</a:t>
+              <a:t>6/23/2023</a:t>
             </a:fld>
             <a:endParaRPr lang="en-US" dirty="0"/>
           </a:p>
@@ -11662,7 +11667,7 @@
           <a:p>
             <a:fld id="{35E72C73-2D91-4E12-BA25-F0AA0C03599B}" type="datetimeFigureOut">
               <a:rPr lang="en-US" dirty="0"/>
-              <a:t>6/22/2023</a:t>
+              <a:t>6/23/2023</a:t>
             </a:fld>
             <a:endParaRPr lang="en-US" dirty="0"/>
           </a:p>
@@ -12655,7 +12660,7 @@
           <a:p>
             <a:fld id="{2BE451C3-0FF4-47C4-B829-773ADF60F88C}" type="datetimeFigureOut">
               <a:rPr lang="en-US" dirty="0"/>
-              <a:t>6/22/2023</a:t>
+              <a:t>6/23/2023</a:t>
             </a:fld>
             <a:endParaRPr lang="en-US" dirty="0"/>
           </a:p>
@@ -13917,8 +13922,13 @@
             </a:r>
             <a:r>
               <a:rPr lang="en-US" b="1" dirty="0"/>
-              <a:t>Shut down the replica set member.</a:t>
-            </a:r>
+              <a:t>Shut down the replica set member</a:t>
+            </a:r>
+            <a:r>
+              <a:rPr lang="en-US" b="1"/>
+              <a:t>(secondary).</a:t>
+            </a:r>
+            <a:endParaRPr lang="en-US" b="1" dirty="0"/>
           </a:p>
           <a:p>
             <a:r>
@@ -18223,7 +18233,16 @@
             </a:pPr>
             <a:r>
               <a:rPr lang="en-US" dirty="0"/>
-              <a:t>2. Replace the 5.0 binaries with the 6.0 binaries.</a:t>
+              <a:t>2. Replace the 5.0 binaries with the 6.0 binaries. </a:t>
+            </a:r>
+          </a:p>
+          <a:p>
+            <a:pPr marL="0" indent="0">
+              <a:buNone/>
+            </a:pPr>
+            <a:r>
+              <a:rPr lang="en-US" dirty="0"/>
+              <a:t>Check the below before replacing the binaries</a:t>
             </a:r>
           </a:p>
           <a:p>
